--- a/Resources/Supporting Files/Icon Designer.pptx
+++ b/Resources/Supporting Files/Icon Designer.pptx
@@ -5,9 +5,10 @@
     <p:sldMasterId id="2147483648" r:id="rId1"/>
   </p:sldMasterIdLst>
   <p:sldIdLst>
-    <p:sldId id="257" r:id="rId2"/>
-    <p:sldId id="258" r:id="rId3"/>
-    <p:sldId id="256" r:id="rId4"/>
+    <p:sldId id="259" r:id="rId2"/>
+    <p:sldId id="257" r:id="rId3"/>
+    <p:sldId id="258" r:id="rId4"/>
+    <p:sldId id="256" r:id="rId5"/>
   </p:sldIdLst>
   <p:sldSz cx="12192000" cy="6858000"/>
   <p:notesSz cx="6858000" cy="9144000"/>
@@ -263,7 +264,7 @@
           <a:p>
             <a:fld id="{F2CC336C-A7F7-494B-ABD6-826BF81DE4AF}" type="datetimeFigureOut">
               <a:rPr lang="en-PH" smtClean="0"/>
-              <a:t>28/09/2020</a:t>
+              <a:t>02/10/2020</a:t>
             </a:fld>
             <a:endParaRPr lang="en-PH"/>
           </a:p>
@@ -463,7 +464,7 @@
           <a:p>
             <a:fld id="{F2CC336C-A7F7-494B-ABD6-826BF81DE4AF}" type="datetimeFigureOut">
               <a:rPr lang="en-PH" smtClean="0"/>
-              <a:t>28/09/2020</a:t>
+              <a:t>02/10/2020</a:t>
             </a:fld>
             <a:endParaRPr lang="en-PH"/>
           </a:p>
@@ -673,7 +674,7 @@
           <a:p>
             <a:fld id="{F2CC336C-A7F7-494B-ABD6-826BF81DE4AF}" type="datetimeFigureOut">
               <a:rPr lang="en-PH" smtClean="0"/>
-              <a:t>28/09/2020</a:t>
+              <a:t>02/10/2020</a:t>
             </a:fld>
             <a:endParaRPr lang="en-PH"/>
           </a:p>
@@ -873,7 +874,7 @@
           <a:p>
             <a:fld id="{F2CC336C-A7F7-494B-ABD6-826BF81DE4AF}" type="datetimeFigureOut">
               <a:rPr lang="en-PH" smtClean="0"/>
-              <a:t>28/09/2020</a:t>
+              <a:t>02/10/2020</a:t>
             </a:fld>
             <a:endParaRPr lang="en-PH"/>
           </a:p>
@@ -1149,7 +1150,7 @@
           <a:p>
             <a:fld id="{F2CC336C-A7F7-494B-ABD6-826BF81DE4AF}" type="datetimeFigureOut">
               <a:rPr lang="en-PH" smtClean="0"/>
-              <a:t>28/09/2020</a:t>
+              <a:t>02/10/2020</a:t>
             </a:fld>
             <a:endParaRPr lang="en-PH"/>
           </a:p>
@@ -1417,7 +1418,7 @@
           <a:p>
             <a:fld id="{F2CC336C-A7F7-494B-ABD6-826BF81DE4AF}" type="datetimeFigureOut">
               <a:rPr lang="en-PH" smtClean="0"/>
-              <a:t>28/09/2020</a:t>
+              <a:t>02/10/2020</a:t>
             </a:fld>
             <a:endParaRPr lang="en-PH"/>
           </a:p>
@@ -1832,7 +1833,7 @@
           <a:p>
             <a:fld id="{F2CC336C-A7F7-494B-ABD6-826BF81DE4AF}" type="datetimeFigureOut">
               <a:rPr lang="en-PH" smtClean="0"/>
-              <a:t>28/09/2020</a:t>
+              <a:t>02/10/2020</a:t>
             </a:fld>
             <a:endParaRPr lang="en-PH"/>
           </a:p>
@@ -1974,7 +1975,7 @@
           <a:p>
             <a:fld id="{F2CC336C-A7F7-494B-ABD6-826BF81DE4AF}" type="datetimeFigureOut">
               <a:rPr lang="en-PH" smtClean="0"/>
-              <a:t>28/09/2020</a:t>
+              <a:t>02/10/2020</a:t>
             </a:fld>
             <a:endParaRPr lang="en-PH"/>
           </a:p>
@@ -2087,7 +2088,7 @@
           <a:p>
             <a:fld id="{F2CC336C-A7F7-494B-ABD6-826BF81DE4AF}" type="datetimeFigureOut">
               <a:rPr lang="en-PH" smtClean="0"/>
-              <a:t>28/09/2020</a:t>
+              <a:t>02/10/2020</a:t>
             </a:fld>
             <a:endParaRPr lang="en-PH"/>
           </a:p>
@@ -2400,7 +2401,7 @@
           <a:p>
             <a:fld id="{F2CC336C-A7F7-494B-ABD6-826BF81DE4AF}" type="datetimeFigureOut">
               <a:rPr lang="en-PH" smtClean="0"/>
-              <a:t>28/09/2020</a:t>
+              <a:t>02/10/2020</a:t>
             </a:fld>
             <a:endParaRPr lang="en-PH"/>
           </a:p>
@@ -2689,7 +2690,7 @@
           <a:p>
             <a:fld id="{F2CC336C-A7F7-494B-ABD6-826BF81DE4AF}" type="datetimeFigureOut">
               <a:rPr lang="en-PH" smtClean="0"/>
-              <a:t>28/09/2020</a:t>
+              <a:t>02/10/2020</a:t>
             </a:fld>
             <a:endParaRPr lang="en-PH"/>
           </a:p>
@@ -2932,7 +2933,7 @@
           <a:p>
             <a:fld id="{F2CC336C-A7F7-494B-ABD6-826BF81DE4AF}" type="datetimeFigureOut">
               <a:rPr lang="en-PH" smtClean="0"/>
-              <a:t>28/09/2020</a:t>
+              <a:t>02/10/2020</a:t>
             </a:fld>
             <a:endParaRPr lang="en-PH"/>
           </a:p>
@@ -3349,6 +3350,249 @@
           <a:chExt cx="0" cy="0"/>
         </a:xfrm>
       </p:grpSpPr>
+      <p:grpSp>
+        <p:nvGrpSpPr>
+          <p:cNvPr id="26" name="Group 25">
+            <a:extLst>
+              <a:ext uri="{FF2B5EF4-FFF2-40B4-BE49-F238E27FC236}">
+                <a16:creationId xmlns:a16="http://schemas.microsoft.com/office/drawing/2014/main" id="{65A431DF-C549-45A7-8D69-587BC7A616CD}"/>
+              </a:ext>
+            </a:extLst>
+          </p:cNvPr>
+          <p:cNvGrpSpPr/>
+          <p:nvPr/>
+        </p:nvGrpSpPr>
+        <p:grpSpPr>
+          <a:xfrm>
+            <a:off x="3345735" y="1182141"/>
+            <a:ext cx="4267623" cy="3414154"/>
+            <a:chOff x="6964006" y="2529160"/>
+            <a:chExt cx="4267623" cy="3414154"/>
+          </a:xfrm>
+        </p:grpSpPr>
+        <p:pic>
+          <p:nvPicPr>
+            <p:cNvPr id="11" name="Picture 10">
+              <a:extLst>
+                <a:ext uri="{FF2B5EF4-FFF2-40B4-BE49-F238E27FC236}">
+                  <a16:creationId xmlns:a16="http://schemas.microsoft.com/office/drawing/2014/main" id="{65B8425C-9189-42AD-8129-F893076EC9A8}"/>
+                </a:ext>
+              </a:extLst>
+            </p:cNvPr>
+            <p:cNvPicPr>
+              <a:picLocks noChangeAspect="1"/>
+            </p:cNvPicPr>
+            <p:nvPr/>
+          </p:nvPicPr>
+          <p:blipFill>
+            <a:blip r:embed="rId2"/>
+            <a:stretch>
+              <a:fillRect/>
+            </a:stretch>
+          </p:blipFill>
+          <p:spPr>
+            <a:xfrm>
+              <a:off x="6964006" y="3777461"/>
+              <a:ext cx="4267623" cy="2133812"/>
+            </a:xfrm>
+            <a:prstGeom prst="rect">
+              <a:avLst/>
+            </a:prstGeom>
+          </p:spPr>
+        </p:pic>
+        <p:grpSp>
+          <p:nvGrpSpPr>
+            <p:cNvPr id="25" name="Group 24">
+              <a:extLst>
+                <a:ext uri="{FF2B5EF4-FFF2-40B4-BE49-F238E27FC236}">
+                  <a16:creationId xmlns:a16="http://schemas.microsoft.com/office/drawing/2014/main" id="{361997C7-1CF8-442D-9F20-ECCC874E771A}"/>
+                </a:ext>
+              </a:extLst>
+            </p:cNvPr>
+            <p:cNvGrpSpPr/>
+            <p:nvPr/>
+          </p:nvGrpSpPr>
+          <p:grpSpPr>
+            <a:xfrm>
+              <a:off x="8004593" y="2529160"/>
+              <a:ext cx="1925988" cy="3150918"/>
+              <a:chOff x="8004593" y="2529160"/>
+              <a:chExt cx="1925988" cy="3150918"/>
+            </a:xfrm>
+          </p:grpSpPr>
+          <p:pic>
+            <p:nvPicPr>
+              <p:cNvPr id="22" name="Picture 21">
+                <a:extLst>
+                  <a:ext uri="{FF2B5EF4-FFF2-40B4-BE49-F238E27FC236}">
+                    <a16:creationId xmlns:a16="http://schemas.microsoft.com/office/drawing/2014/main" id="{C82DC1E3-0957-4A70-AC1D-0748A03C5B1B}"/>
+                  </a:ext>
+                </a:extLst>
+              </p:cNvPr>
+              <p:cNvPicPr>
+                <a:picLocks noChangeAspect="1"/>
+              </p:cNvPicPr>
+              <p:nvPr/>
+            </p:nvPicPr>
+            <p:blipFill>
+              <a:blip r:embed="rId3">
+                <a:duotone>
+                  <a:schemeClr val="accent2">
+                    <a:shade val="45000"/>
+                    <a:satMod val="135000"/>
+                  </a:schemeClr>
+                  <a:prstClr val="white"/>
+                </a:duotone>
+                <a:extLst>
+                  <a:ext uri="{28A0092B-C50C-407E-A947-70E740481C1C}">
+                    <a14:useLocalDpi xmlns:a14="http://schemas.microsoft.com/office/drawing/2010/main" val="0"/>
+                  </a:ext>
+                </a:extLst>
+              </a:blip>
+              <a:stretch>
+                <a:fillRect/>
+              </a:stretch>
+            </p:blipFill>
+            <p:spPr>
+              <a:xfrm>
+                <a:off x="8004593" y="2529161"/>
+                <a:ext cx="1925988" cy="3150917"/>
+              </a:xfrm>
+              <a:prstGeom prst="rect">
+                <a:avLst/>
+              </a:prstGeom>
+            </p:spPr>
+          </p:pic>
+          <p:pic>
+            <p:nvPicPr>
+              <p:cNvPr id="24" name="Picture 23">
+                <a:extLst>
+                  <a:ext uri="{FF2B5EF4-FFF2-40B4-BE49-F238E27FC236}">
+                    <a16:creationId xmlns:a16="http://schemas.microsoft.com/office/drawing/2014/main" id="{E79C3814-162C-4941-A495-B0F6BAA79307}"/>
+                  </a:ext>
+                </a:extLst>
+              </p:cNvPr>
+              <p:cNvPicPr>
+                <a:picLocks noChangeAspect="1"/>
+              </p:cNvPicPr>
+              <p:nvPr/>
+            </p:nvPicPr>
+            <p:blipFill rotWithShape="1">
+              <a:blip r:embed="rId3">
+                <a:duotone>
+                  <a:schemeClr val="accent1">
+                    <a:shade val="45000"/>
+                    <a:satMod val="135000"/>
+                  </a:schemeClr>
+                  <a:prstClr val="white"/>
+                </a:duotone>
+                <a:extLst>
+                  <a:ext uri="{28A0092B-C50C-407E-A947-70E740481C1C}">
+                    <a14:useLocalDpi xmlns:a14="http://schemas.microsoft.com/office/drawing/2010/main" val="0"/>
+                  </a:ext>
+                </a:extLst>
+              </a:blip>
+              <a:srcRect l="48439"/>
+              <a:stretch/>
+            </p:blipFill>
+            <p:spPr>
+              <a:xfrm>
+                <a:off x="8937523" y="2529160"/>
+                <a:ext cx="993057" cy="3150917"/>
+              </a:xfrm>
+              <a:prstGeom prst="rect">
+                <a:avLst/>
+              </a:prstGeom>
+            </p:spPr>
+          </p:pic>
+        </p:grpSp>
+        <p:sp>
+          <p:nvSpPr>
+            <p:cNvPr id="12" name="TextBox 11">
+              <a:extLst>
+                <a:ext uri="{FF2B5EF4-FFF2-40B4-BE49-F238E27FC236}">
+                  <a16:creationId xmlns:a16="http://schemas.microsoft.com/office/drawing/2014/main" id="{FF99F7FD-345D-4D9A-8575-8FC16A0F8108}"/>
+                </a:ext>
+              </a:extLst>
+            </p:cNvPr>
+            <p:cNvSpPr txBox="1"/>
+            <p:nvPr/>
+          </p:nvSpPr>
+          <p:spPr>
+            <a:xfrm>
+              <a:off x="7195781" y="5112317"/>
+              <a:ext cx="4035848" cy="830997"/>
+            </a:xfrm>
+            <a:prstGeom prst="rect">
+              <a:avLst/>
+            </a:prstGeom>
+            <a:noFill/>
+          </p:spPr>
+          <p:txBody>
+            <a:bodyPr wrap="none" rtlCol="0">
+              <a:spAutoFit/>
+            </a:bodyPr>
+            <a:lstStyle/>
+            <a:p>
+              <a:r>
+                <a:rPr lang="en-PH" sz="4800" b="1" dirty="0">
+                  <a:ln w="9525">
+                    <a:solidFill>
+                      <a:schemeClr val="bg2">
+                        <a:lumMod val="50000"/>
+                      </a:schemeClr>
+                    </a:solidFill>
+                    <a:prstDash val="solid"/>
+                  </a:ln>
+                  <a:solidFill>
+                    <a:schemeClr val="bg1"/>
+                  </a:solidFill>
+                  <a:effectLst>
+                    <a:outerShdw blurRad="12700" dist="38100" dir="2700000" algn="tl" rotWithShape="0">
+                      <a:schemeClr val="accent5">
+                        <a:lumMod val="60000"/>
+                        <a:lumOff val="40000"/>
+                      </a:schemeClr>
+                    </a:outerShdw>
+                  </a:effectLst>
+                  <a:latin typeface="SerpentisBlack" panose="02000604020000020003" pitchFamily="2" charset="0"/>
+                </a:rPr>
+                <a:t>One Click Zip</a:t>
+              </a:r>
+            </a:p>
+          </p:txBody>
+        </p:sp>
+      </p:grpSp>
+    </p:spTree>
+    <p:extLst>
+      <p:ext uri="{BB962C8B-B14F-4D97-AF65-F5344CB8AC3E}">
+        <p14:creationId xmlns:p14="http://schemas.microsoft.com/office/powerpoint/2010/main" val="69749681"/>
+      </p:ext>
+    </p:extLst>
+  </p:cSld>
+  <p:clrMapOvr>
+    <a:masterClrMapping/>
+  </p:clrMapOvr>
+</p:sld>
+</file>
+
+<file path=ppt/slides/slide2.xml><?xml version="1.0" encoding="utf-8"?>
+<p:sld xmlns:a="http://schemas.openxmlformats.org/drawingml/2006/main" xmlns:r="http://schemas.openxmlformats.org/officeDocument/2006/relationships" xmlns:p="http://schemas.openxmlformats.org/presentationml/2006/main">
+  <p:cSld>
+    <p:spTree>
+      <p:nvGrpSpPr>
+        <p:cNvPr id="1" name=""/>
+        <p:cNvGrpSpPr/>
+        <p:nvPr/>
+      </p:nvGrpSpPr>
+      <p:grpSpPr>
+        <a:xfrm>
+          <a:off x="0" y="0"/>
+          <a:ext cx="0" cy="0"/>
+          <a:chOff x="0" y="0"/>
+          <a:chExt cx="0" cy="0"/>
+        </a:xfrm>
+      </p:grpSpPr>
       <p:pic>
         <p:nvPicPr>
           <p:cNvPr id="7" name="Graphic 6">
@@ -3477,7 +3721,7 @@
 </p:sld>
 </file>
 
-<file path=ppt/slides/slide2.xml><?xml version="1.0" encoding="utf-8"?>
+<file path=ppt/slides/slide3.xml><?xml version="1.0" encoding="utf-8"?>
 <p:sld xmlns:a="http://schemas.openxmlformats.org/drawingml/2006/main" xmlns:r="http://schemas.openxmlformats.org/officeDocument/2006/relationships" xmlns:p="http://schemas.openxmlformats.org/presentationml/2006/main">
   <p:cSld>
     <p:spTree>
@@ -3531,6 +3775,41 @@
           </a:prstGeom>
         </p:spPr>
       </p:pic>
+      <p:pic>
+        <p:nvPicPr>
+          <p:cNvPr id="2" name="Picture 1">
+            <a:extLst>
+              <a:ext uri="{FF2B5EF4-FFF2-40B4-BE49-F238E27FC236}">
+                <a16:creationId xmlns:a16="http://schemas.microsoft.com/office/drawing/2014/main" id="{5D4C1A1D-42F6-47AC-AED4-2777E7633445}"/>
+              </a:ext>
+            </a:extLst>
+          </p:cNvPr>
+          <p:cNvPicPr>
+            <a:picLocks noChangeAspect="1"/>
+          </p:cNvPicPr>
+          <p:nvPr/>
+        </p:nvPicPr>
+        <p:blipFill rotWithShape="1">
+          <a:blip r:embed="rId3">
+            <a:extLst>
+              <a:ext uri="{28A0092B-C50C-407E-A947-70E740481C1C}">
+                <a14:useLocalDpi xmlns:a14="http://schemas.microsoft.com/office/drawing/2010/main" val="0"/>
+              </a:ext>
+            </a:extLst>
+          </a:blip>
+          <a:srcRect l="17406" t="25051" r="5445" b="18115"/>
+          <a:stretch/>
+        </p:blipFill>
+        <p:spPr>
+          <a:xfrm>
+            <a:off x="1089891" y="1274757"/>
+            <a:ext cx="2382982" cy="3897745"/>
+          </a:xfrm>
+          <a:prstGeom prst="rect">
+            <a:avLst/>
+          </a:prstGeom>
+        </p:spPr>
+      </p:pic>
     </p:spTree>
     <p:extLst>
       <p:ext uri="{BB962C8B-B14F-4D97-AF65-F5344CB8AC3E}">
@@ -3544,7 +3823,7 @@
 </p:sld>
 </file>
 
-<file path=ppt/slides/slide3.xml><?xml version="1.0" encoding="utf-8"?>
+<file path=ppt/slides/slide4.xml><?xml version="1.0" encoding="utf-8"?>
 <p:sld xmlns:a="http://schemas.openxmlformats.org/drawingml/2006/main" xmlns:r="http://schemas.openxmlformats.org/officeDocument/2006/relationships" xmlns:p="http://schemas.openxmlformats.org/presentationml/2006/main">
   <p:cSld>
     <p:spTree>

--- a/Resources/Supporting Files/Icon Designer.pptx
+++ b/Resources/Supporting Files/Icon Designer.pptx
@@ -264,7 +264,7 @@
           <a:p>
             <a:fld id="{F2CC336C-A7F7-494B-ABD6-826BF81DE4AF}" type="datetimeFigureOut">
               <a:rPr lang="en-PH" smtClean="0"/>
-              <a:t>02/10/2020</a:t>
+              <a:t>06/10/2020</a:t>
             </a:fld>
             <a:endParaRPr lang="en-PH"/>
           </a:p>
@@ -464,7 +464,7 @@
           <a:p>
             <a:fld id="{F2CC336C-A7F7-494B-ABD6-826BF81DE4AF}" type="datetimeFigureOut">
               <a:rPr lang="en-PH" smtClean="0"/>
-              <a:t>02/10/2020</a:t>
+              <a:t>06/10/2020</a:t>
             </a:fld>
             <a:endParaRPr lang="en-PH"/>
           </a:p>
@@ -674,7 +674,7 @@
           <a:p>
             <a:fld id="{F2CC336C-A7F7-494B-ABD6-826BF81DE4AF}" type="datetimeFigureOut">
               <a:rPr lang="en-PH" smtClean="0"/>
-              <a:t>02/10/2020</a:t>
+              <a:t>06/10/2020</a:t>
             </a:fld>
             <a:endParaRPr lang="en-PH"/>
           </a:p>
@@ -874,7 +874,7 @@
           <a:p>
             <a:fld id="{F2CC336C-A7F7-494B-ABD6-826BF81DE4AF}" type="datetimeFigureOut">
               <a:rPr lang="en-PH" smtClean="0"/>
-              <a:t>02/10/2020</a:t>
+              <a:t>06/10/2020</a:t>
             </a:fld>
             <a:endParaRPr lang="en-PH"/>
           </a:p>
@@ -1150,7 +1150,7 @@
           <a:p>
             <a:fld id="{F2CC336C-A7F7-494B-ABD6-826BF81DE4AF}" type="datetimeFigureOut">
               <a:rPr lang="en-PH" smtClean="0"/>
-              <a:t>02/10/2020</a:t>
+              <a:t>06/10/2020</a:t>
             </a:fld>
             <a:endParaRPr lang="en-PH"/>
           </a:p>
@@ -1418,7 +1418,7 @@
           <a:p>
             <a:fld id="{F2CC336C-A7F7-494B-ABD6-826BF81DE4AF}" type="datetimeFigureOut">
               <a:rPr lang="en-PH" smtClean="0"/>
-              <a:t>02/10/2020</a:t>
+              <a:t>06/10/2020</a:t>
             </a:fld>
             <a:endParaRPr lang="en-PH"/>
           </a:p>
@@ -1833,7 +1833,7 @@
           <a:p>
             <a:fld id="{F2CC336C-A7F7-494B-ABD6-826BF81DE4AF}" type="datetimeFigureOut">
               <a:rPr lang="en-PH" smtClean="0"/>
-              <a:t>02/10/2020</a:t>
+              <a:t>06/10/2020</a:t>
             </a:fld>
             <a:endParaRPr lang="en-PH"/>
           </a:p>
@@ -1975,7 +1975,7 @@
           <a:p>
             <a:fld id="{F2CC336C-A7F7-494B-ABD6-826BF81DE4AF}" type="datetimeFigureOut">
               <a:rPr lang="en-PH" smtClean="0"/>
-              <a:t>02/10/2020</a:t>
+              <a:t>06/10/2020</a:t>
             </a:fld>
             <a:endParaRPr lang="en-PH"/>
           </a:p>
@@ -2088,7 +2088,7 @@
           <a:p>
             <a:fld id="{F2CC336C-A7F7-494B-ABD6-826BF81DE4AF}" type="datetimeFigureOut">
               <a:rPr lang="en-PH" smtClean="0"/>
-              <a:t>02/10/2020</a:t>
+              <a:t>06/10/2020</a:t>
             </a:fld>
             <a:endParaRPr lang="en-PH"/>
           </a:p>
@@ -2401,7 +2401,7 @@
           <a:p>
             <a:fld id="{F2CC336C-A7F7-494B-ABD6-826BF81DE4AF}" type="datetimeFigureOut">
               <a:rPr lang="en-PH" smtClean="0"/>
-              <a:t>02/10/2020</a:t>
+              <a:t>06/10/2020</a:t>
             </a:fld>
             <a:endParaRPr lang="en-PH"/>
           </a:p>
@@ -2690,7 +2690,7 @@
           <a:p>
             <a:fld id="{F2CC336C-A7F7-494B-ABD6-826BF81DE4AF}" type="datetimeFigureOut">
               <a:rPr lang="en-PH" smtClean="0"/>
-              <a:t>02/10/2020</a:t>
+              <a:t>06/10/2020</a:t>
             </a:fld>
             <a:endParaRPr lang="en-PH"/>
           </a:p>
@@ -2933,7 +2933,7 @@
           <a:p>
             <a:fld id="{F2CC336C-A7F7-494B-ABD6-826BF81DE4AF}" type="datetimeFigureOut">
               <a:rPr lang="en-PH" smtClean="0"/>
-              <a:t>02/10/2020</a:t>
+              <a:t>06/10/2020</a:t>
             </a:fld>
             <a:endParaRPr lang="en-PH"/>
           </a:p>
@@ -3352,10 +3352,10 @@
       </p:grpSpPr>
       <p:grpSp>
         <p:nvGrpSpPr>
-          <p:cNvPr id="26" name="Group 25">
-            <a:extLst>
-              <a:ext uri="{FF2B5EF4-FFF2-40B4-BE49-F238E27FC236}">
-                <a16:creationId xmlns:a16="http://schemas.microsoft.com/office/drawing/2014/main" id="{65A431DF-C549-45A7-8D69-587BC7A616CD}"/>
+          <p:cNvPr id="4" name="Group 3">
+            <a:extLst>
+              <a:ext uri="{FF2B5EF4-FFF2-40B4-BE49-F238E27FC236}">
+                <a16:creationId xmlns:a16="http://schemas.microsoft.com/office/drawing/2014/main" id="{84ABC81C-8715-497D-855B-C033ACD6D1F2}"/>
               </a:ext>
             </a:extLst>
           </p:cNvPr>
@@ -3364,18 +3364,18 @@
         </p:nvGrpSpPr>
         <p:grpSpPr>
           <a:xfrm>
-            <a:off x="3345735" y="1182141"/>
-            <a:ext cx="4267623" cy="3414154"/>
-            <a:chOff x="6964006" y="2529160"/>
-            <a:chExt cx="4267623" cy="3414154"/>
+            <a:off x="1359917" y="794342"/>
+            <a:ext cx="4267623" cy="3645350"/>
+            <a:chOff x="7372790" y="997542"/>
+            <a:chExt cx="4267623" cy="3645350"/>
           </a:xfrm>
         </p:grpSpPr>
         <p:pic>
           <p:nvPicPr>
-            <p:cNvPr id="11" name="Picture 10">
+            <p:cNvPr id="3" name="Picture 2">
               <a:extLst>
                 <a:ext uri="{FF2B5EF4-FFF2-40B4-BE49-F238E27FC236}">
-                  <a16:creationId xmlns:a16="http://schemas.microsoft.com/office/drawing/2014/main" id="{65B8425C-9189-42AD-8129-F893076EC9A8}"/>
+                  <a16:creationId xmlns:a16="http://schemas.microsoft.com/office/drawing/2014/main" id="{9294907D-4760-441C-BBC3-F6671A7239EE}"/>
                 </a:ext>
               </a:extLst>
             </p:cNvPr>
@@ -3384,28 +3384,48 @@
             </p:cNvPicPr>
             <p:nvPr/>
           </p:nvPicPr>
-          <p:blipFill>
-            <a:blip r:embed="rId2"/>
-            <a:stretch>
-              <a:fillRect/>
-            </a:stretch>
+          <p:blipFill rotWithShape="1">
+            <a:blip r:embed="rId2">
+              <a:extLst>
+                <a:ext uri="{BEBA8EAE-BF5A-486C-A8C5-ECC9F3942E4B}">
+                  <a14:imgProps xmlns:a14="http://schemas.microsoft.com/office/drawing/2010/main">
+                    <a14:imgLayer r:embed="rId3">
+                      <a14:imgEffect>
+                        <a14:brightnessContrast contrast="40000"/>
+                      </a14:imgEffect>
+                    </a14:imgLayer>
+                  </a14:imgProps>
+                </a:ext>
+                <a:ext uri="{28A0092B-C50C-407E-A947-70E740481C1C}">
+                  <a14:useLocalDpi xmlns:a14="http://schemas.microsoft.com/office/drawing/2010/main" val="0"/>
+                </a:ext>
+              </a:extLst>
+            </a:blip>
+            <a:srcRect l="8049" t="51822" r="56948"/>
+            <a:stretch/>
           </p:blipFill>
           <p:spPr>
             <a:xfrm>
-              <a:off x="6964006" y="3777461"/>
-              <a:ext cx="4267623" cy="2133812"/>
+              <a:off x="7372790" y="997542"/>
+              <a:ext cx="4267623" cy="2646315"/>
             </a:xfrm>
             <a:prstGeom prst="rect">
               <a:avLst/>
             </a:prstGeom>
+            <a:ln>
+              <a:noFill/>
+            </a:ln>
+            <a:effectLst>
+              <a:softEdge rad="31750"/>
+            </a:effectLst>
           </p:spPr>
         </p:pic>
         <p:grpSp>
           <p:nvGrpSpPr>
-            <p:cNvPr id="25" name="Group 24">
+            <p:cNvPr id="26" name="Group 25">
               <a:extLst>
                 <a:ext uri="{FF2B5EF4-FFF2-40B4-BE49-F238E27FC236}">
-                  <a16:creationId xmlns:a16="http://schemas.microsoft.com/office/drawing/2014/main" id="{361997C7-1CF8-442D-9F20-ECCC874E771A}"/>
+                  <a16:creationId xmlns:a16="http://schemas.microsoft.com/office/drawing/2014/main" id="{65A431DF-C549-45A7-8D69-587BC7A616CD}"/>
                 </a:ext>
               </a:extLst>
             </p:cNvPr>
@@ -3414,18 +3434,18 @@
           </p:nvGrpSpPr>
           <p:grpSpPr>
             <a:xfrm>
-              <a:off x="8004593" y="2529160"/>
-              <a:ext cx="1925988" cy="3150918"/>
-              <a:chOff x="8004593" y="2529160"/>
-              <a:chExt cx="1925988" cy="3150918"/>
+              <a:off x="7372790" y="1228738"/>
+              <a:ext cx="4267623" cy="3414154"/>
+              <a:chOff x="6964006" y="2529160"/>
+              <a:chExt cx="4267623" cy="3414154"/>
             </a:xfrm>
           </p:grpSpPr>
           <p:pic>
             <p:nvPicPr>
-              <p:cNvPr id="22" name="Picture 21">
+              <p:cNvPr id="11" name="Picture 10">
                 <a:extLst>
                   <a:ext uri="{FF2B5EF4-FFF2-40B4-BE49-F238E27FC236}">
-                    <a16:creationId xmlns:a16="http://schemas.microsoft.com/office/drawing/2014/main" id="{C82DC1E3-0957-4A70-AC1D-0748A03C5B1B}"/>
+                    <a16:creationId xmlns:a16="http://schemas.microsoft.com/office/drawing/2014/main" id="{65B8425C-9189-42AD-8129-F893076EC9A8}"/>
                   </a:ext>
                 </a:extLst>
               </p:cNvPr>
@@ -3435,133 +3455,184 @@
               <p:nvPr/>
             </p:nvPicPr>
             <p:blipFill>
-              <a:blip r:embed="rId3">
-                <a:duotone>
-                  <a:schemeClr val="accent2">
-                    <a:shade val="45000"/>
-                    <a:satMod val="135000"/>
-                  </a:schemeClr>
-                  <a:prstClr val="white"/>
-                </a:duotone>
-                <a:extLst>
-                  <a:ext uri="{28A0092B-C50C-407E-A947-70E740481C1C}">
-                    <a14:useLocalDpi xmlns:a14="http://schemas.microsoft.com/office/drawing/2010/main" val="0"/>
-                  </a:ext>
-                </a:extLst>
-              </a:blip>
+              <a:blip r:embed="rId4"/>
               <a:stretch>
                 <a:fillRect/>
               </a:stretch>
             </p:blipFill>
             <p:spPr>
               <a:xfrm>
-                <a:off x="8004593" y="2529161"/>
-                <a:ext cx="1925988" cy="3150917"/>
+                <a:off x="6964006" y="3777461"/>
+                <a:ext cx="4267623" cy="2133812"/>
               </a:xfrm>
               <a:prstGeom prst="rect">
                 <a:avLst/>
               </a:prstGeom>
             </p:spPr>
           </p:pic>
-          <p:pic>
-            <p:nvPicPr>
-              <p:cNvPr id="24" name="Picture 23">
+          <p:grpSp>
+            <p:nvGrpSpPr>
+              <p:cNvPr id="25" name="Group 24">
                 <a:extLst>
                   <a:ext uri="{FF2B5EF4-FFF2-40B4-BE49-F238E27FC236}">
-                    <a16:creationId xmlns:a16="http://schemas.microsoft.com/office/drawing/2014/main" id="{E79C3814-162C-4941-A495-B0F6BAA79307}"/>
+                    <a16:creationId xmlns:a16="http://schemas.microsoft.com/office/drawing/2014/main" id="{361997C7-1CF8-442D-9F20-ECCC874E771A}"/>
                   </a:ext>
                 </a:extLst>
               </p:cNvPr>
-              <p:cNvPicPr>
-                <a:picLocks noChangeAspect="1"/>
-              </p:cNvPicPr>
+              <p:cNvGrpSpPr/>
               <p:nvPr/>
-            </p:nvPicPr>
-            <p:blipFill rotWithShape="1">
-              <a:blip r:embed="rId3">
-                <a:duotone>
-                  <a:schemeClr val="accent1">
-                    <a:shade val="45000"/>
-                    <a:satMod val="135000"/>
-                  </a:schemeClr>
-                  <a:prstClr val="white"/>
-                </a:duotone>
+            </p:nvGrpSpPr>
+            <p:grpSpPr>
+              <a:xfrm>
+                <a:off x="8004593" y="2529160"/>
+                <a:ext cx="1925988" cy="3150918"/>
+                <a:chOff x="8004593" y="2529160"/>
+                <a:chExt cx="1925988" cy="3150918"/>
+              </a:xfrm>
+            </p:grpSpPr>
+            <p:pic>
+              <p:nvPicPr>
+                <p:cNvPr id="22" name="Picture 21">
+                  <a:extLst>
+                    <a:ext uri="{FF2B5EF4-FFF2-40B4-BE49-F238E27FC236}">
+                      <a16:creationId xmlns:a16="http://schemas.microsoft.com/office/drawing/2014/main" id="{C82DC1E3-0957-4A70-AC1D-0748A03C5B1B}"/>
+                    </a:ext>
+                  </a:extLst>
+                </p:cNvPr>
+                <p:cNvPicPr>
+                  <a:picLocks noChangeAspect="1"/>
+                </p:cNvPicPr>
+                <p:nvPr/>
+              </p:nvPicPr>
+              <p:blipFill>
+                <a:blip r:embed="rId5">
+                  <a:duotone>
+                    <a:schemeClr val="accent2">
+                      <a:shade val="45000"/>
+                      <a:satMod val="135000"/>
+                    </a:schemeClr>
+                    <a:prstClr val="white"/>
+                  </a:duotone>
+                  <a:extLst>
+                    <a:ext uri="{28A0092B-C50C-407E-A947-70E740481C1C}">
+                      <a14:useLocalDpi xmlns:a14="http://schemas.microsoft.com/office/drawing/2010/main" val="0"/>
+                    </a:ext>
+                  </a:extLst>
+                </a:blip>
+                <a:stretch>
+                  <a:fillRect/>
+                </a:stretch>
+              </p:blipFill>
+              <p:spPr>
+                <a:xfrm>
+                  <a:off x="8004593" y="2529161"/>
+                  <a:ext cx="1925988" cy="3150917"/>
+                </a:xfrm>
+                <a:prstGeom prst="rect">
+                  <a:avLst/>
+                </a:prstGeom>
+              </p:spPr>
+            </p:pic>
+            <p:pic>
+              <p:nvPicPr>
+                <p:cNvPr id="24" name="Picture 23">
+                  <a:extLst>
+                    <a:ext uri="{FF2B5EF4-FFF2-40B4-BE49-F238E27FC236}">
+                      <a16:creationId xmlns:a16="http://schemas.microsoft.com/office/drawing/2014/main" id="{E79C3814-162C-4941-A495-B0F6BAA79307}"/>
+                    </a:ext>
+                  </a:extLst>
+                </p:cNvPr>
+                <p:cNvPicPr>
+                  <a:picLocks noChangeAspect="1"/>
+                </p:cNvPicPr>
+                <p:nvPr/>
+              </p:nvPicPr>
+              <p:blipFill rotWithShape="1">
+                <a:blip r:embed="rId5">
+                  <a:duotone>
+                    <a:schemeClr val="accent1">
+                      <a:shade val="45000"/>
+                      <a:satMod val="135000"/>
+                    </a:schemeClr>
+                    <a:prstClr val="white"/>
+                  </a:duotone>
+                  <a:extLst>
+                    <a:ext uri="{28A0092B-C50C-407E-A947-70E740481C1C}">
+                      <a14:useLocalDpi xmlns:a14="http://schemas.microsoft.com/office/drawing/2010/main" val="0"/>
+                    </a:ext>
+                  </a:extLst>
+                </a:blip>
+                <a:srcRect l="48439"/>
+                <a:stretch/>
+              </p:blipFill>
+              <p:spPr>
+                <a:xfrm>
+                  <a:off x="8937523" y="2529160"/>
+                  <a:ext cx="993057" cy="3150917"/>
+                </a:xfrm>
+                <a:prstGeom prst="rect">
+                  <a:avLst/>
+                </a:prstGeom>
+              </p:spPr>
+            </p:pic>
+          </p:grpSp>
+          <p:sp>
+            <p:nvSpPr>
+              <p:cNvPr id="12" name="TextBox 11">
                 <a:extLst>
-                  <a:ext uri="{28A0092B-C50C-407E-A947-70E740481C1C}">
-                    <a14:useLocalDpi xmlns:a14="http://schemas.microsoft.com/office/drawing/2010/main" val="0"/>
+                  <a:ext uri="{FF2B5EF4-FFF2-40B4-BE49-F238E27FC236}">
+                    <a16:creationId xmlns:a16="http://schemas.microsoft.com/office/drawing/2014/main" id="{FF99F7FD-345D-4D9A-8575-8FC16A0F8108}"/>
                   </a:ext>
                 </a:extLst>
-              </a:blip>
-              <a:srcRect l="48439"/>
-              <a:stretch/>
-            </p:blipFill>
+              </p:cNvPr>
+              <p:cNvSpPr txBox="1"/>
+              <p:nvPr/>
+            </p:nvSpPr>
             <p:spPr>
               <a:xfrm>
-                <a:off x="8937523" y="2529160"/>
-                <a:ext cx="993057" cy="3150917"/>
+                <a:off x="7195781" y="5112317"/>
+                <a:ext cx="4035848" cy="830997"/>
               </a:xfrm>
               <a:prstGeom prst="rect">
                 <a:avLst/>
               </a:prstGeom>
+              <a:noFill/>
             </p:spPr>
-          </p:pic>
+            <p:txBody>
+              <a:bodyPr wrap="none" rtlCol="0">
+                <a:spAutoFit/>
+              </a:bodyPr>
+              <a:lstStyle/>
+              <a:p>
+                <a:r>
+                  <a:rPr lang="en-PH" sz="4800" b="1" dirty="0">
+                    <a:ln w="9525">
+                      <a:solidFill>
+                        <a:schemeClr val="bg2">
+                          <a:lumMod val="50000"/>
+                        </a:schemeClr>
+                      </a:solidFill>
+                      <a:prstDash val="solid"/>
+                    </a:ln>
+                    <a:solidFill>
+                      <a:schemeClr val="bg1"/>
+                    </a:solidFill>
+                    <a:effectLst>
+                      <a:outerShdw blurRad="12700" dist="38100" dir="2700000" algn="tl" rotWithShape="0">
+                        <a:schemeClr val="accent5">
+                          <a:lumMod val="60000"/>
+                          <a:lumOff val="40000"/>
+                        </a:schemeClr>
+                      </a:outerShdw>
+                    </a:effectLst>
+                    <a:latin typeface="SerpentisBlack" panose="02000604020000020003" pitchFamily="2" charset="0"/>
+                  </a:rPr>
+                  <a:t>One Click Zip</a:t>
+                </a:r>
+              </a:p>
+            </p:txBody>
+          </p:sp>
         </p:grpSp>
-        <p:sp>
-          <p:nvSpPr>
-            <p:cNvPr id="12" name="TextBox 11">
-              <a:extLst>
-                <a:ext uri="{FF2B5EF4-FFF2-40B4-BE49-F238E27FC236}">
-                  <a16:creationId xmlns:a16="http://schemas.microsoft.com/office/drawing/2014/main" id="{FF99F7FD-345D-4D9A-8575-8FC16A0F8108}"/>
-                </a:ext>
-              </a:extLst>
-            </p:cNvPr>
-            <p:cNvSpPr txBox="1"/>
-            <p:nvPr/>
-          </p:nvSpPr>
-          <p:spPr>
-            <a:xfrm>
-              <a:off x="7195781" y="5112317"/>
-              <a:ext cx="4035848" cy="830997"/>
-            </a:xfrm>
-            <a:prstGeom prst="rect">
-              <a:avLst/>
-            </a:prstGeom>
-            <a:noFill/>
-          </p:spPr>
-          <p:txBody>
-            <a:bodyPr wrap="none" rtlCol="0">
-              <a:spAutoFit/>
-            </a:bodyPr>
-            <a:lstStyle/>
-            <a:p>
-              <a:r>
-                <a:rPr lang="en-PH" sz="4800" b="1" dirty="0">
-                  <a:ln w="9525">
-                    <a:solidFill>
-                      <a:schemeClr val="bg2">
-                        <a:lumMod val="50000"/>
-                      </a:schemeClr>
-                    </a:solidFill>
-                    <a:prstDash val="solid"/>
-                  </a:ln>
-                  <a:solidFill>
-                    <a:schemeClr val="bg1"/>
-                  </a:solidFill>
-                  <a:effectLst>
-                    <a:outerShdw blurRad="12700" dist="38100" dir="2700000" algn="tl" rotWithShape="0">
-                      <a:schemeClr val="accent5">
-                        <a:lumMod val="60000"/>
-                        <a:lumOff val="40000"/>
-                      </a:schemeClr>
-                    </a:outerShdw>
-                  </a:effectLst>
-                  <a:latin typeface="SerpentisBlack" panose="02000604020000020003" pitchFamily="2" charset="0"/>
-                </a:rPr>
-                <a:t>One Click Zip</a:t>
-              </a:r>
-            </a:p>
-          </p:txBody>
-        </p:sp>
       </p:grpSp>
     </p:spTree>
     <p:extLst>

--- a/Resources/Supporting Files/Icon Designer.pptx
+++ b/Resources/Supporting Files/Icon Designer.pptx
@@ -5,10 +5,12 @@
     <p:sldMasterId id="2147483648" r:id="rId1"/>
   </p:sldMasterIdLst>
   <p:sldIdLst>
-    <p:sldId id="259" r:id="rId2"/>
-    <p:sldId id="257" r:id="rId3"/>
-    <p:sldId id="258" r:id="rId4"/>
-    <p:sldId id="256" r:id="rId5"/>
+    <p:sldId id="261" r:id="rId2"/>
+    <p:sldId id="260" r:id="rId3"/>
+    <p:sldId id="259" r:id="rId4"/>
+    <p:sldId id="257" r:id="rId5"/>
+    <p:sldId id="258" r:id="rId6"/>
+    <p:sldId id="256" r:id="rId7"/>
   </p:sldIdLst>
   <p:sldSz cx="12192000" cy="6858000"/>
   <p:notesSz cx="6858000" cy="9144000"/>
@@ -264,7 +266,7 @@
           <a:p>
             <a:fld id="{F2CC336C-A7F7-494B-ABD6-826BF81DE4AF}" type="datetimeFigureOut">
               <a:rPr lang="en-PH" smtClean="0"/>
-              <a:t>06/10/2020</a:t>
+              <a:t>15/10/2020</a:t>
             </a:fld>
             <a:endParaRPr lang="en-PH"/>
           </a:p>
@@ -464,7 +466,7 @@
           <a:p>
             <a:fld id="{F2CC336C-A7F7-494B-ABD6-826BF81DE4AF}" type="datetimeFigureOut">
               <a:rPr lang="en-PH" smtClean="0"/>
-              <a:t>06/10/2020</a:t>
+              <a:t>15/10/2020</a:t>
             </a:fld>
             <a:endParaRPr lang="en-PH"/>
           </a:p>
@@ -674,7 +676,7 @@
           <a:p>
             <a:fld id="{F2CC336C-A7F7-494B-ABD6-826BF81DE4AF}" type="datetimeFigureOut">
               <a:rPr lang="en-PH" smtClean="0"/>
-              <a:t>06/10/2020</a:t>
+              <a:t>15/10/2020</a:t>
             </a:fld>
             <a:endParaRPr lang="en-PH"/>
           </a:p>
@@ -874,7 +876,7 @@
           <a:p>
             <a:fld id="{F2CC336C-A7F7-494B-ABD6-826BF81DE4AF}" type="datetimeFigureOut">
               <a:rPr lang="en-PH" smtClean="0"/>
-              <a:t>06/10/2020</a:t>
+              <a:t>15/10/2020</a:t>
             </a:fld>
             <a:endParaRPr lang="en-PH"/>
           </a:p>
@@ -1150,7 +1152,7 @@
           <a:p>
             <a:fld id="{F2CC336C-A7F7-494B-ABD6-826BF81DE4AF}" type="datetimeFigureOut">
               <a:rPr lang="en-PH" smtClean="0"/>
-              <a:t>06/10/2020</a:t>
+              <a:t>15/10/2020</a:t>
             </a:fld>
             <a:endParaRPr lang="en-PH"/>
           </a:p>
@@ -1418,7 +1420,7 @@
           <a:p>
             <a:fld id="{F2CC336C-A7F7-494B-ABD6-826BF81DE4AF}" type="datetimeFigureOut">
               <a:rPr lang="en-PH" smtClean="0"/>
-              <a:t>06/10/2020</a:t>
+              <a:t>15/10/2020</a:t>
             </a:fld>
             <a:endParaRPr lang="en-PH"/>
           </a:p>
@@ -1833,7 +1835,7 @@
           <a:p>
             <a:fld id="{F2CC336C-A7F7-494B-ABD6-826BF81DE4AF}" type="datetimeFigureOut">
               <a:rPr lang="en-PH" smtClean="0"/>
-              <a:t>06/10/2020</a:t>
+              <a:t>15/10/2020</a:t>
             </a:fld>
             <a:endParaRPr lang="en-PH"/>
           </a:p>
@@ -1975,7 +1977,7 @@
           <a:p>
             <a:fld id="{F2CC336C-A7F7-494B-ABD6-826BF81DE4AF}" type="datetimeFigureOut">
               <a:rPr lang="en-PH" smtClean="0"/>
-              <a:t>06/10/2020</a:t>
+              <a:t>15/10/2020</a:t>
             </a:fld>
             <a:endParaRPr lang="en-PH"/>
           </a:p>
@@ -2088,7 +2090,7 @@
           <a:p>
             <a:fld id="{F2CC336C-A7F7-494B-ABD6-826BF81DE4AF}" type="datetimeFigureOut">
               <a:rPr lang="en-PH" smtClean="0"/>
-              <a:t>06/10/2020</a:t>
+              <a:t>15/10/2020</a:t>
             </a:fld>
             <a:endParaRPr lang="en-PH"/>
           </a:p>
@@ -2401,7 +2403,7 @@
           <a:p>
             <a:fld id="{F2CC336C-A7F7-494B-ABD6-826BF81DE4AF}" type="datetimeFigureOut">
               <a:rPr lang="en-PH" smtClean="0"/>
-              <a:t>06/10/2020</a:t>
+              <a:t>15/10/2020</a:t>
             </a:fld>
             <a:endParaRPr lang="en-PH"/>
           </a:p>
@@ -2690,7 +2692,7 @@
           <a:p>
             <a:fld id="{F2CC336C-A7F7-494B-ABD6-826BF81DE4AF}" type="datetimeFigureOut">
               <a:rPr lang="en-PH" smtClean="0"/>
-              <a:t>06/10/2020</a:t>
+              <a:t>15/10/2020</a:t>
             </a:fld>
             <a:endParaRPr lang="en-PH"/>
           </a:p>
@@ -2933,7 +2935,7 @@
           <a:p>
             <a:fld id="{F2CC336C-A7F7-494B-ABD6-826BF81DE4AF}" type="datetimeFigureOut">
               <a:rPr lang="en-PH" smtClean="0"/>
-              <a:t>06/10/2020</a:t>
+              <a:t>15/10/2020</a:t>
             </a:fld>
             <a:endParaRPr lang="en-PH"/>
           </a:p>
@@ -3350,6 +3352,482 @@
           <a:chExt cx="0" cy="0"/>
         </a:xfrm>
       </p:grpSpPr>
+      <p:pic>
+        <p:nvPicPr>
+          <p:cNvPr id="5" name="Picture 4">
+            <a:extLst>
+              <a:ext uri="{FF2B5EF4-FFF2-40B4-BE49-F238E27FC236}">
+                <a16:creationId xmlns:a16="http://schemas.microsoft.com/office/drawing/2014/main" id="{173B13AE-7EEB-46AF-8F20-1C9C3604F174}"/>
+              </a:ext>
+            </a:extLst>
+          </p:cNvPr>
+          <p:cNvPicPr>
+            <a:picLocks noChangeAspect="1"/>
+          </p:cNvPicPr>
+          <p:nvPr/>
+        </p:nvPicPr>
+        <p:blipFill>
+          <a:blip r:embed="rId2">
+            <a:extLst>
+              <a:ext uri="{28A0092B-C50C-407E-A947-70E740481C1C}">
+                <a14:useLocalDpi xmlns:a14="http://schemas.microsoft.com/office/drawing/2010/main" val="0"/>
+              </a:ext>
+            </a:extLst>
+          </a:blip>
+          <a:stretch>
+            <a:fillRect/>
+          </a:stretch>
+        </p:blipFill>
+        <p:spPr>
+          <a:xfrm>
+            <a:off x="5918291" y="3242055"/>
+            <a:ext cx="780290" cy="780290"/>
+          </a:xfrm>
+          <a:prstGeom prst="rect">
+            <a:avLst/>
+          </a:prstGeom>
+        </p:spPr>
+      </p:pic>
+      <p:pic>
+        <p:nvPicPr>
+          <p:cNvPr id="3" name="Picture 2">
+            <a:extLst>
+              <a:ext uri="{FF2B5EF4-FFF2-40B4-BE49-F238E27FC236}">
+                <a16:creationId xmlns:a16="http://schemas.microsoft.com/office/drawing/2014/main" id="{CC3A319B-20F1-4743-8BF2-C4C5C7246C09}"/>
+              </a:ext>
+            </a:extLst>
+          </p:cNvPr>
+          <p:cNvPicPr>
+            <a:picLocks noChangeAspect="1"/>
+          </p:cNvPicPr>
+          <p:nvPr/>
+        </p:nvPicPr>
+        <p:blipFill>
+          <a:blip r:embed="rId3">
+            <a:extLst>
+              <a:ext uri="{28A0092B-C50C-407E-A947-70E740481C1C}">
+                <a14:useLocalDpi xmlns:a14="http://schemas.microsoft.com/office/drawing/2010/main" val="0"/>
+              </a:ext>
+            </a:extLst>
+          </a:blip>
+          <a:stretch>
+            <a:fillRect/>
+          </a:stretch>
+        </p:blipFill>
+        <p:spPr>
+          <a:xfrm>
+            <a:off x="5875111" y="3453475"/>
+            <a:ext cx="596809" cy="596809"/>
+          </a:xfrm>
+          <a:prstGeom prst="rect">
+            <a:avLst/>
+          </a:prstGeom>
+        </p:spPr>
+      </p:pic>
+    </p:spTree>
+    <p:extLst>
+      <p:ext uri="{BB962C8B-B14F-4D97-AF65-F5344CB8AC3E}">
+        <p14:creationId xmlns:p14="http://schemas.microsoft.com/office/powerpoint/2010/main" val="1852603293"/>
+      </p:ext>
+    </p:extLst>
+  </p:cSld>
+  <p:clrMapOvr>
+    <a:masterClrMapping/>
+  </p:clrMapOvr>
+</p:sld>
+</file>
+
+<file path=ppt/slides/slide2.xml><?xml version="1.0" encoding="utf-8"?>
+<p:sld xmlns:a="http://schemas.openxmlformats.org/drawingml/2006/main" xmlns:r="http://schemas.openxmlformats.org/officeDocument/2006/relationships" xmlns:p="http://schemas.openxmlformats.org/presentationml/2006/main">
+  <p:cSld>
+    <p:spTree>
+      <p:nvGrpSpPr>
+        <p:cNvPr id="1" name=""/>
+        <p:cNvGrpSpPr/>
+        <p:nvPr/>
+      </p:nvGrpSpPr>
+      <p:grpSpPr>
+        <a:xfrm>
+          <a:off x="0" y="0"/>
+          <a:ext cx="0" cy="0"/>
+          <a:chOff x="0" y="0"/>
+          <a:chExt cx="0" cy="0"/>
+        </a:xfrm>
+      </p:grpSpPr>
+      <p:pic>
+        <p:nvPicPr>
+          <p:cNvPr id="5" name="Picture 4">
+            <a:extLst>
+              <a:ext uri="{FF2B5EF4-FFF2-40B4-BE49-F238E27FC236}">
+                <a16:creationId xmlns:a16="http://schemas.microsoft.com/office/drawing/2014/main" id="{C2930EAD-03B5-4C29-8E8E-6393B3F47A5E}"/>
+              </a:ext>
+            </a:extLst>
+          </p:cNvPr>
+          <p:cNvPicPr>
+            <a:picLocks noChangeAspect="1"/>
+          </p:cNvPicPr>
+          <p:nvPr/>
+        </p:nvPicPr>
+        <p:blipFill>
+          <a:blip r:embed="rId2">
+            <a:duotone>
+              <a:schemeClr val="accent6">
+                <a:shade val="45000"/>
+                <a:satMod val="135000"/>
+              </a:schemeClr>
+              <a:prstClr val="white"/>
+            </a:duotone>
+            <a:extLst>
+              <a:ext uri="{28A0092B-C50C-407E-A947-70E740481C1C}">
+                <a14:useLocalDpi xmlns:a14="http://schemas.microsoft.com/office/drawing/2010/main" val="0"/>
+              </a:ext>
+            </a:extLst>
+          </a:blip>
+          <a:stretch>
+            <a:fillRect/>
+          </a:stretch>
+        </p:blipFill>
+        <p:spPr>
+          <a:xfrm>
+            <a:off x="8142334" y="1259395"/>
+            <a:ext cx="3142175" cy="3142175"/>
+          </a:xfrm>
+          <a:prstGeom prst="rect">
+            <a:avLst/>
+          </a:prstGeom>
+        </p:spPr>
+      </p:pic>
+      <p:sp>
+        <p:nvSpPr>
+          <p:cNvPr id="6" name="Isosceles Triangle 5">
+            <a:extLst>
+              <a:ext uri="{FF2B5EF4-FFF2-40B4-BE49-F238E27FC236}">
+                <a16:creationId xmlns:a16="http://schemas.microsoft.com/office/drawing/2014/main" id="{41A78253-C12C-406F-87F4-6D00F292D6CC}"/>
+              </a:ext>
+            </a:extLst>
+          </p:cNvPr>
+          <p:cNvSpPr/>
+          <p:nvPr/>
+        </p:nvSpPr>
+        <p:spPr>
+          <a:xfrm rot="5400000">
+            <a:off x="8142333" y="1259395"/>
+            <a:ext cx="3142175" cy="3142175"/>
+          </a:xfrm>
+          <a:prstGeom prst="triangle">
+            <a:avLst/>
+          </a:prstGeom>
+          <a:ln w="76200">
+            <a:solidFill>
+              <a:schemeClr val="bg1"/>
+            </a:solidFill>
+          </a:ln>
+        </p:spPr>
+        <p:style>
+          <a:lnRef idx="2">
+            <a:schemeClr val="accent6">
+              <a:shade val="50000"/>
+            </a:schemeClr>
+          </a:lnRef>
+          <a:fillRef idx="1">
+            <a:schemeClr val="accent6"/>
+          </a:fillRef>
+          <a:effectRef idx="0">
+            <a:schemeClr val="accent6"/>
+          </a:effectRef>
+          <a:fontRef idx="minor">
+            <a:schemeClr val="lt1"/>
+          </a:fontRef>
+        </p:style>
+        <p:txBody>
+          <a:bodyPr rtlCol="0" anchor="ctr"/>
+          <a:lstStyle/>
+          <a:p>
+            <a:pPr algn="ctr"/>
+            <a:endParaRPr lang="en-PH"/>
+          </a:p>
+        </p:txBody>
+      </p:sp>
+      <p:pic>
+        <p:nvPicPr>
+          <p:cNvPr id="10" name="Picture 9">
+            <a:extLst>
+              <a:ext uri="{FF2B5EF4-FFF2-40B4-BE49-F238E27FC236}">
+                <a16:creationId xmlns:a16="http://schemas.microsoft.com/office/drawing/2014/main" id="{0EB71839-7D87-4A38-B092-E4C4565F733D}"/>
+              </a:ext>
+            </a:extLst>
+          </p:cNvPr>
+          <p:cNvPicPr>
+            <a:picLocks noChangeAspect="1"/>
+          </p:cNvPicPr>
+          <p:nvPr/>
+        </p:nvPicPr>
+        <p:blipFill>
+          <a:blip r:embed="rId3"/>
+          <a:stretch>
+            <a:fillRect/>
+          </a:stretch>
+        </p:blipFill>
+        <p:spPr>
+          <a:xfrm>
+            <a:off x="1578722" y="1121638"/>
+            <a:ext cx="3273836" cy="3279932"/>
+          </a:xfrm>
+          <a:prstGeom prst="rect">
+            <a:avLst/>
+          </a:prstGeom>
+        </p:spPr>
+      </p:pic>
+      <p:grpSp>
+        <p:nvGrpSpPr>
+          <p:cNvPr id="13" name="Group 12">
+            <a:extLst>
+              <a:ext uri="{FF2B5EF4-FFF2-40B4-BE49-F238E27FC236}">
+                <a16:creationId xmlns:a16="http://schemas.microsoft.com/office/drawing/2014/main" id="{7B5ADC70-5DF1-4F9D-B75D-EC36091ACD29}"/>
+              </a:ext>
+            </a:extLst>
+          </p:cNvPr>
+          <p:cNvGrpSpPr/>
+          <p:nvPr/>
+        </p:nvGrpSpPr>
+        <p:grpSpPr>
+          <a:xfrm>
+            <a:off x="5360603" y="3108906"/>
+            <a:ext cx="1832677" cy="1249788"/>
+            <a:chOff x="3935663" y="2484066"/>
+            <a:chExt cx="1832677" cy="1249788"/>
+          </a:xfrm>
+        </p:grpSpPr>
+        <p:pic>
+          <p:nvPicPr>
+            <p:cNvPr id="14" name="Picture 13">
+              <a:extLst>
+                <a:ext uri="{FF2B5EF4-FFF2-40B4-BE49-F238E27FC236}">
+                  <a16:creationId xmlns:a16="http://schemas.microsoft.com/office/drawing/2014/main" id="{21DB4055-3027-4E81-BB51-7353EC14882F}"/>
+                </a:ext>
+              </a:extLst>
+            </p:cNvPr>
+            <p:cNvPicPr>
+              <a:picLocks noChangeAspect="1"/>
+            </p:cNvPicPr>
+            <p:nvPr/>
+          </p:nvPicPr>
+          <p:blipFill>
+            <a:blip r:embed="rId4"/>
+            <a:stretch>
+              <a:fillRect/>
+            </a:stretch>
+          </p:blipFill>
+          <p:spPr>
+            <a:xfrm>
+              <a:off x="3935663" y="2484066"/>
+              <a:ext cx="1531753" cy="1249788"/>
+            </a:xfrm>
+            <a:prstGeom prst="rect">
+              <a:avLst/>
+            </a:prstGeom>
+          </p:spPr>
+        </p:pic>
+        <p:sp>
+          <p:nvSpPr>
+            <p:cNvPr id="15" name="Rectangle: Rounded Corners 14">
+              <a:extLst>
+                <a:ext uri="{FF2B5EF4-FFF2-40B4-BE49-F238E27FC236}">
+                  <a16:creationId xmlns:a16="http://schemas.microsoft.com/office/drawing/2014/main" id="{1DE4BAEB-FC6F-463B-8C26-19694FD657B7}"/>
+                </a:ext>
+              </a:extLst>
+            </p:cNvPr>
+            <p:cNvSpPr/>
+            <p:nvPr/>
+          </p:nvSpPr>
+          <p:spPr>
+            <a:xfrm>
+              <a:off x="4602480" y="3017520"/>
+              <a:ext cx="1165860" cy="411480"/>
+            </a:xfrm>
+            <a:prstGeom prst="roundRect">
+              <a:avLst/>
+            </a:prstGeom>
+            <a:solidFill>
+              <a:srgbClr val="C00000"/>
+            </a:solidFill>
+            <a:ln>
+              <a:solidFill>
+                <a:schemeClr val="bg1"/>
+              </a:solidFill>
+            </a:ln>
+          </p:spPr>
+          <p:style>
+            <a:lnRef idx="2">
+              <a:schemeClr val="accent1">
+                <a:shade val="50000"/>
+              </a:schemeClr>
+            </a:lnRef>
+            <a:fillRef idx="1">
+              <a:schemeClr val="accent1"/>
+            </a:fillRef>
+            <a:effectRef idx="0">
+              <a:schemeClr val="accent1"/>
+            </a:effectRef>
+            <a:fontRef idx="minor">
+              <a:schemeClr val="lt1"/>
+            </a:fontRef>
+          </p:style>
+          <p:txBody>
+            <a:bodyPr rtlCol="0" anchor="ctr"/>
+            <a:lstStyle/>
+            <a:p>
+              <a:pPr algn="ctr"/>
+              <a:endParaRPr lang="en-PH"/>
+            </a:p>
+          </p:txBody>
+        </p:sp>
+      </p:grpSp>
+      <p:grpSp>
+        <p:nvGrpSpPr>
+          <p:cNvPr id="8" name="Group 7">
+            <a:extLst>
+              <a:ext uri="{FF2B5EF4-FFF2-40B4-BE49-F238E27FC236}">
+                <a16:creationId xmlns:a16="http://schemas.microsoft.com/office/drawing/2014/main" id="{050BFF2D-C231-4EFF-8F9C-D84C7793C8CB}"/>
+              </a:ext>
+            </a:extLst>
+          </p:cNvPr>
+          <p:cNvGrpSpPr/>
+          <p:nvPr/>
+        </p:nvGrpSpPr>
+        <p:grpSpPr>
+          <a:xfrm>
+            <a:off x="-481081" y="1667653"/>
+            <a:ext cx="5697780" cy="5467834"/>
+            <a:chOff x="5275020" y="872006"/>
+            <a:chExt cx="5697780" cy="5467834"/>
+          </a:xfrm>
+        </p:grpSpPr>
+        <p:pic>
+          <p:nvPicPr>
+            <p:cNvPr id="9" name="Picture 8">
+              <a:extLst>
+                <a:ext uri="{FF2B5EF4-FFF2-40B4-BE49-F238E27FC236}">
+                  <a16:creationId xmlns:a16="http://schemas.microsoft.com/office/drawing/2014/main" id="{7E31A856-DE8D-43C2-9034-B1F4C1B6A621}"/>
+                </a:ext>
+              </a:extLst>
+            </p:cNvPr>
+            <p:cNvPicPr>
+              <a:picLocks noChangeAspect="1"/>
+            </p:cNvPicPr>
+            <p:nvPr/>
+          </p:nvPicPr>
+          <p:blipFill rotWithShape="1">
+            <a:blip r:embed="rId5">
+              <a:duotone>
+                <a:schemeClr val="bg2">
+                  <a:shade val="45000"/>
+                  <a:satMod val="135000"/>
+                </a:schemeClr>
+                <a:prstClr val="white"/>
+              </a:duotone>
+            </a:blip>
+            <a:srcRect b="26273"/>
+            <a:stretch/>
+          </p:blipFill>
+          <p:spPr>
+            <a:xfrm>
+              <a:off x="5275020" y="872006"/>
+              <a:ext cx="4877223" cy="4876800"/>
+            </a:xfrm>
+            <a:prstGeom prst="rect">
+              <a:avLst/>
+            </a:prstGeom>
+          </p:spPr>
+        </p:pic>
+        <p:sp>
+          <p:nvSpPr>
+            <p:cNvPr id="11" name="Star: 8 Points 10">
+              <a:extLst>
+                <a:ext uri="{FF2B5EF4-FFF2-40B4-BE49-F238E27FC236}">
+                  <a16:creationId xmlns:a16="http://schemas.microsoft.com/office/drawing/2014/main" id="{CD63C7A9-D15B-446D-A540-BBCCD3954117}"/>
+                </a:ext>
+              </a:extLst>
+            </p:cNvPr>
+            <p:cNvSpPr/>
+            <p:nvPr/>
+          </p:nvSpPr>
+          <p:spPr>
+            <a:xfrm>
+              <a:off x="6827520" y="2712720"/>
+              <a:ext cx="4145280" cy="3627120"/>
+            </a:xfrm>
+            <a:prstGeom prst="star8">
+              <a:avLst/>
+            </a:prstGeom>
+            <a:solidFill>
+              <a:schemeClr val="accent1">
+                <a:lumMod val="75000"/>
+              </a:schemeClr>
+            </a:solidFill>
+            <a:ln>
+              <a:noFill/>
+            </a:ln>
+          </p:spPr>
+          <p:style>
+            <a:lnRef idx="2">
+              <a:schemeClr val="accent1">
+                <a:shade val="50000"/>
+              </a:schemeClr>
+            </a:lnRef>
+            <a:fillRef idx="1">
+              <a:schemeClr val="accent1"/>
+            </a:fillRef>
+            <a:effectRef idx="0">
+              <a:schemeClr val="accent1"/>
+            </a:effectRef>
+            <a:fontRef idx="minor">
+              <a:schemeClr val="lt1"/>
+            </a:fontRef>
+          </p:style>
+          <p:txBody>
+            <a:bodyPr rtlCol="0" anchor="ctr"/>
+            <a:lstStyle/>
+            <a:p>
+              <a:pPr algn="ctr"/>
+              <a:r>
+                <a:rPr lang="en-PH" sz="9600" dirty="0"/>
+                <a:t>NEW</a:t>
+              </a:r>
+            </a:p>
+          </p:txBody>
+        </p:sp>
+      </p:grpSp>
+    </p:spTree>
+    <p:extLst>
+      <p:ext uri="{BB962C8B-B14F-4D97-AF65-F5344CB8AC3E}">
+        <p14:creationId xmlns:p14="http://schemas.microsoft.com/office/powerpoint/2010/main" val="418557663"/>
+      </p:ext>
+    </p:extLst>
+  </p:cSld>
+  <p:clrMapOvr>
+    <a:masterClrMapping/>
+  </p:clrMapOvr>
+</p:sld>
+</file>
+
+<file path=ppt/slides/slide3.xml><?xml version="1.0" encoding="utf-8"?>
+<p:sld xmlns:a="http://schemas.openxmlformats.org/drawingml/2006/main" xmlns:r="http://schemas.openxmlformats.org/officeDocument/2006/relationships" xmlns:p="http://schemas.openxmlformats.org/presentationml/2006/main">
+  <p:cSld>
+    <p:spTree>
+      <p:nvGrpSpPr>
+        <p:cNvPr id="1" name=""/>
+        <p:cNvGrpSpPr/>
+        <p:nvPr/>
+      </p:nvGrpSpPr>
+      <p:grpSpPr>
+        <a:xfrm>
+          <a:off x="0" y="0"/>
+          <a:ext cx="0" cy="0"/>
+          <a:chOff x="0" y="0"/>
+          <a:chExt cx="0" cy="0"/>
+        </a:xfrm>
+      </p:grpSpPr>
       <p:grpSp>
         <p:nvGrpSpPr>
           <p:cNvPr id="4" name="Group 3">
@@ -3647,7 +4125,7 @@
 </p:sld>
 </file>
 
-<file path=ppt/slides/slide2.xml><?xml version="1.0" encoding="utf-8"?>
+<file path=ppt/slides/slide4.xml><?xml version="1.0" encoding="utf-8"?>
 <p:sld xmlns:a="http://schemas.openxmlformats.org/drawingml/2006/main" xmlns:r="http://schemas.openxmlformats.org/officeDocument/2006/relationships" xmlns:p="http://schemas.openxmlformats.org/presentationml/2006/main">
   <p:cSld>
     <p:spTree>
@@ -3792,7 +4270,7 @@
 </p:sld>
 </file>
 
-<file path=ppt/slides/slide3.xml><?xml version="1.0" encoding="utf-8"?>
+<file path=ppt/slides/slide5.xml><?xml version="1.0" encoding="utf-8"?>
 <p:sld xmlns:a="http://schemas.openxmlformats.org/drawingml/2006/main" xmlns:r="http://schemas.openxmlformats.org/officeDocument/2006/relationships" xmlns:p="http://schemas.openxmlformats.org/presentationml/2006/main">
   <p:cSld>
     <p:spTree>
@@ -3894,7 +4372,7 @@
 </p:sld>
 </file>
 
-<file path=ppt/slides/slide4.xml><?xml version="1.0" encoding="utf-8"?>
+<file path=ppt/slides/slide6.xml><?xml version="1.0" encoding="utf-8"?>
 <p:sld xmlns:a="http://schemas.openxmlformats.org/drawingml/2006/main" xmlns:r="http://schemas.openxmlformats.org/officeDocument/2006/relationships" xmlns:p="http://schemas.openxmlformats.org/presentationml/2006/main">
   <p:cSld>
     <p:spTree>
